--- a/Проект игры-информатика.pptx
+++ b/Проект игры-информатика.pptx
@@ -107,6 +107,11 @@
       </a:defRPr>
     </a:lvl9pPr>
   </p:defaultTextStyle>
+  <p:extLst>
+    <p:ext uri="{EFAFB233-063F-42B5-8137-9DF3F51BA10A}">
+      <p15:sldGuideLst xmlns:p15="http://schemas.microsoft.com/office/powerpoint/2012/main"/>
+    </p:ext>
+  </p:extLst>
 </p:presentation>
 </file>
 
@@ -4071,7 +4076,7 @@
           <a:graphicData uri="http://schemas.openxmlformats.org/presentationml/2006/ole">
             <mc:AlternateContent xmlns:mc="http://schemas.openxmlformats.org/markup-compatibility/2006">
               <mc:Choice xmlns:v="urn:schemas-microsoft-com:vml" Requires="v">
-                <p:oleObj spid="_x0000_s1030" name="Image" r:id="rId3" imgW="10780920" imgH="8685360" progId="Photoshop.Image.13">
+                <p:oleObj spid="_x0000_s1032" name="Image" r:id="rId3" imgW="10780920" imgH="8685360" progId="Photoshop.Image.13">
                   <p:embed/>
                 </p:oleObj>
               </mc:Choice>
@@ -4128,7 +4133,7 @@
           <a:graphicData uri="http://schemas.openxmlformats.org/presentationml/2006/ole">
             <mc:AlternateContent xmlns:mc="http://schemas.openxmlformats.org/markup-compatibility/2006">
               <mc:Choice xmlns:v="urn:schemas-microsoft-com:vml" Requires="v">
-                <p:oleObj spid="_x0000_s1031" name="Image" r:id="rId5" imgW="10895040" imgH="8609400" progId="Photoshop.Image.13">
+                <p:oleObj spid="_x0000_s1033" name="Image" r:id="rId5" imgW="10895040" imgH="8609400" progId="Photoshop.Image.13">
                   <p:embed/>
                 </p:oleObj>
               </mc:Choice>
@@ -4263,16 +4268,37 @@
             </a:r>
             <a:r>
               <a:rPr lang="ru-RU" sz="2400" dirty="0"/>
-              <a:t>. Игра, которую я представил, может быть доработана - изменением графики или добавлением новых возможностей в игровом процессе, например появление новых врагов с новыми характеристиками </a:t>
+              <a:t>. Игра, которую я представил, может быть доработана - изменением графики или добавлением новых возможностей в игровом процессе, </a:t>
             </a:r>
             <a:r>
               <a:rPr lang="ru-RU" sz="2400" dirty="0" smtClean="0"/>
-              <a:t>и </a:t>
+              <a:t>например, </a:t>
             </a:r>
             <a:r>
               <a:rPr lang="ru-RU" sz="2400" dirty="0"/>
-              <a:t>возможность обмена денег или очков на улучшение собственного оружия.</a:t>
-            </a:r>
+              <a:t>появление новых врагов с </a:t>
+            </a:r>
+            <a:r>
+              <a:rPr lang="ru-RU" sz="2400" dirty="0" smtClean="0"/>
+              <a:t>улучшенными характеристиками, добавление искусственного интеллекта врагам, </a:t>
+            </a:r>
+            <a:r>
+              <a:rPr lang="ru-RU" sz="2400" dirty="0"/>
+              <a:t>возможность обмена </a:t>
+            </a:r>
+            <a:r>
+              <a:rPr lang="ru-RU" sz="2400" dirty="0" smtClean="0"/>
+              <a:t>набранных очков </a:t>
+            </a:r>
+            <a:r>
+              <a:rPr lang="ru-RU" sz="2400" dirty="0"/>
+              <a:t>на улучшение собственного </a:t>
+            </a:r>
+            <a:r>
+              <a:rPr lang="ru-RU" sz="2400" dirty="0" smtClean="0"/>
+              <a:t>оружия или здоровья.</a:t>
+            </a:r>
+            <a:endParaRPr lang="ru-RU" sz="2400" dirty="0"/>
           </a:p>
         </p:txBody>
       </p:sp>
